--- a/spring11/slides11/slides3f.pptx
+++ b/spring11/slides11/slides3f.pptx
@@ -4271,11 +4271,7 @@
             </a:r>
             <a:r>
               <a:rPr lang="en-US" sz="4000" dirty="0" smtClean="0"/>
-              <a:t>Rule</a:t>
-            </a:r>
-            <a:r>
-              <a:rPr lang="en-US" sz="4000" dirty="0" smtClean="0"/>
-              <a:t> (</a:t>
+              <a:t>Rule (</a:t>
             </a:r>
             <a:r>
               <a:rPr lang="en-US" sz="4000" dirty="0" err="1" smtClean="0"/>
@@ -4325,14 +4321,7 @@
                 <a:latin typeface="Comic Sans MS" pitchFamily="66" charset="0"/>
                 <a:cs typeface="Comic Sans MS"/>
               </a:rPr>
-              <a:t>total </a:t>
-            </a:r>
-            <a:r>
-              <a:rPr lang="en-US" sz="6000" dirty="0" smtClean="0">
-                <a:latin typeface="Comic Sans MS" pitchFamily="66" charset="0"/>
-                <a:cs typeface="Comic Sans MS"/>
-              </a:rPr>
-              <a:t>implies</a:t>
+              <a:t>total implies</a:t>
             </a:r>
           </a:p>
           <a:p>
@@ -5190,7 +5179,15 @@
                   <a:srgbClr val="0000FF"/>
                 </a:solidFill>
               </a:rPr>
-              <a:t>A</a:t>
+              <a:t>A </a:t>
+            </a:r>
+            <a:r>
+              <a:rPr lang="en-US" sz="4800" dirty="0" err="1" smtClean="0">
+                <a:solidFill>
+                  <a:srgbClr val="0000FF"/>
+                </a:solidFill>
+              </a:rPr>
+              <a:t>bij</a:t>
             </a:r>
             <a:r>
               <a:rPr lang="en-US" sz="4800" dirty="0" smtClean="0">
@@ -5198,31 +5195,7 @@
                   <a:srgbClr val="0000FF"/>
                 </a:solidFill>
               </a:rPr>
-              <a:t> </a:t>
-            </a:r>
-            <a:r>
-              <a:rPr lang="en-US" sz="4800" dirty="0" err="1" smtClean="0">
-                <a:solidFill>
-                  <a:srgbClr val="0000FF"/>
-                </a:solidFill>
-              </a:rPr>
-              <a:t>bij</a:t>
-            </a:r>
-            <a:r>
-              <a:rPr lang="en-US" sz="4800" dirty="0" smtClean="0">
-                <a:solidFill>
-                  <a:srgbClr val="0000FF"/>
-                </a:solidFill>
-              </a:rPr>
-              <a:t> </a:t>
-            </a:r>
-            <a:r>
-              <a:rPr lang="en-US" sz="4800" dirty="0" smtClean="0">
-                <a:solidFill>
-                  <a:srgbClr val="0000FF"/>
-                </a:solidFill>
-              </a:rPr>
-              <a:t>B</a:t>
+              <a:t> B</a:t>
             </a:r>
             <a:r>
               <a:rPr lang="en-US" sz="4800" dirty="0" smtClean="0"/>
@@ -5236,17 +5209,7 @@
                 <a:latin typeface="Symbol" charset="2"/>
                 <a:cs typeface="Symbol" charset="2"/>
               </a:rPr>
-              <a:t>∃</a:t>
-            </a:r>
-            <a:r>
-              <a:rPr lang="en-US" sz="4800" b="1" dirty="0" smtClean="0">
-                <a:solidFill>
-                  <a:srgbClr val="0000FF"/>
-                </a:solidFill>
-                <a:latin typeface="Symbol" charset="2"/>
-                <a:cs typeface="Symbol" charset="2"/>
-              </a:rPr>
-              <a:t> </a:t>
+              <a:t>∃ </a:t>
             </a:r>
             <a:r>
               <a:rPr lang="en-US" sz="4800" dirty="0" err="1" smtClean="0">
@@ -5294,58 +5257,34 @@
               <a:rPr lang="en-US" sz="4800" dirty="0" smtClean="0">
                 <a:latin typeface="Comic Sans MS"/>
               </a:rPr>
-              <a:t>think</a:t>
+              <a:t>think:</a:t>
             </a:r>
             <a:r>
               <a:rPr lang="en-US" sz="4800" dirty="0" smtClean="0">
+                <a:solidFill>
+                  <a:srgbClr val="0000FF"/>
+                </a:solidFill>
                 <a:latin typeface="Comic Sans MS"/>
               </a:rPr>
-              <a:t>:</a:t>
+              <a:t> </a:t>
             </a:r>
             <a:r>
               <a:rPr lang="en-US" sz="4800" dirty="0" smtClean="0">
                 <a:solidFill>
-                  <a:srgbClr val="0000FF"/>
+                  <a:srgbClr val="000000"/>
                 </a:solidFill>
                 <a:latin typeface="Comic Sans MS"/>
               </a:rPr>
-              <a:t> </a:t>
+              <a:t>“</a:t>
             </a:r>
             <a:r>
               <a:rPr lang="en-US" sz="4800" dirty="0" smtClean="0">
                 <a:solidFill>
-                  <a:srgbClr val="000000"/>
+                  <a:srgbClr val="0000FF"/>
                 </a:solidFill>
                 <a:latin typeface="Comic Sans MS"/>
               </a:rPr>
-              <a:t>“</a:t>
-            </a:r>
-            <a:r>
-              <a:rPr lang="en-US" sz="4800" dirty="0" smtClean="0">
-                <a:solidFill>
-                  <a:srgbClr val="0000FF"/>
-                </a:solidFill>
-                <a:latin typeface="Comic Sans MS"/>
-              </a:rPr>
-              <a:t>A</a:t>
-            </a:r>
-            <a:r>
-              <a:rPr lang="en-US" sz="4800" dirty="0" smtClean="0">
-                <a:solidFill>
-                  <a:srgbClr val="0000FF"/>
-                </a:solidFill>
-                <a:latin typeface="Comic Sans MS"/>
-              </a:rPr>
-              <a:t> same size </a:t>
-            </a:r>
-            <a:r>
-              <a:rPr lang="en-US" sz="4800" dirty="0" smtClean="0">
-                <a:solidFill>
-                  <a:srgbClr val="0000FF"/>
-                </a:solidFill>
-                <a:latin typeface="Comic Sans MS"/>
-              </a:rPr>
-              <a:t>as B</a:t>
+              <a:t>A same size as B</a:t>
             </a:r>
             <a:r>
               <a:rPr lang="en-US" sz="4800" dirty="0" smtClean="0">
@@ -5813,15 +5752,7 @@
                   <a:srgbClr val="0000FF"/>
                 </a:solidFill>
               </a:rPr>
-              <a:t> </a:t>
-            </a:r>
-            <a:r>
-              <a:rPr lang="en-US" sz="4800" dirty="0" smtClean="0">
-                <a:solidFill>
-                  <a:srgbClr val="0000FF"/>
-                </a:solidFill>
-              </a:rPr>
-              <a:t>B)</a:t>
+              <a:t> B)</a:t>
             </a:r>
           </a:p>
           <a:p>
@@ -7769,21 +7700,10 @@
           </a:bodyPr>
           <a:lstStyle/>
           <a:p>
-            <a:pPr marL="342900" marR="0" lvl="0" indent="-342900" algn="l" defTabSz="914400" rtl="0" eaLnBrk="1" fontAlgn="base" latinLnBrk="0" hangingPunct="1">
-              <a:lnSpc>
-                <a:spcPct val="100000"/>
-              </a:lnSpc>
+            <a:pPr marL="342900" lvl="0" indent="-342900">
               <a:spcBef>
                 <a:spcPct val="20000"/>
               </a:spcBef>
-              <a:spcAft>
-                <a:spcPct val="0"/>
-              </a:spcAft>
-              <a:buClrTx/>
-              <a:buSzTx/>
-              <a:buFontTx/>
-              <a:buNone/>
-              <a:tabLst/>
               <a:defRPr/>
             </a:pPr>
             <a:r>
@@ -7801,17 +7721,7 @@
                 <a:ea typeface="+mn-ea"/>
                 <a:cs typeface="Comic Sans MS"/>
               </a:rPr>
-              <a:t>(A   </a:t>
-            </a:r>
-            <a:r>
-              <a:rPr lang="en-US" sz="4800" kern="0" dirty="0" smtClean="0">
-                <a:solidFill>
-                  <a:srgbClr val="0000FF"/>
-                </a:solidFill>
-                <a:latin typeface="Symbol" charset="2"/>
-                <a:cs typeface="Symbol" charset="2"/>
-              </a:rPr>
-              <a:t>≤</a:t>
+              <a:t>(A  </a:t>
             </a:r>
             <a:r>
               <a:rPr kumimoji="0" lang="en-US" sz="4800" b="0" i="0" u="none" strike="noStrike" kern="0" cap="none" spc="0" normalizeH="0" baseline="0" noProof="0" dirty="0" smtClean="0">
@@ -7828,7 +7738,51 @@
                 <a:ea typeface="+mn-ea"/>
                 <a:cs typeface="Comic Sans MS"/>
               </a:rPr>
-              <a:t>   B   </a:t>
+              <a:t> </a:t>
+            </a:r>
+            <a:r>
+              <a:rPr lang="en-US" sz="4800" kern="0" smtClean="0">
+                <a:solidFill>
+                  <a:srgbClr val="0000FF"/>
+                </a:solidFill>
+                <a:latin typeface="Symbol" charset="2"/>
+                <a:cs typeface="Symbol" charset="2"/>
+              </a:rPr>
+              <a:t>≥</a:t>
+            </a:r>
+            <a:r>
+              <a:rPr kumimoji="0" lang="en-US" sz="4800" b="0" i="0" u="none" strike="noStrike" kern="0" cap="none" spc="0" normalizeH="0" baseline="0" noProof="0" smtClean="0">
+                <a:ln>
+                  <a:noFill/>
+                </a:ln>
+                <a:solidFill>
+                  <a:srgbClr val="0000FF"/>
+                </a:solidFill>
+                <a:effectLst/>
+                <a:uLnTx/>
+                <a:uFillTx/>
+                <a:latin typeface="Comic Sans MS"/>
+                <a:ea typeface="+mn-ea"/>
+                <a:cs typeface="Comic Sans MS"/>
+              </a:rPr>
+              <a:t>   </a:t>
+            </a:r>
+            <a:r>
+              <a:rPr kumimoji="0" lang="en-US" sz="4800" b="0" i="0" u="none" strike="noStrike" kern="0" cap="none" spc="0" normalizeH="0" baseline="0" noProof="0" dirty="0" smtClean="0">
+                <a:ln>
+                  <a:noFill/>
+                </a:ln>
+                <a:solidFill>
+                  <a:srgbClr val="0000FF"/>
+                </a:solidFill>
+                <a:effectLst/>
+                <a:uLnTx/>
+                <a:uFillTx/>
+                <a:latin typeface="Comic Sans MS"/>
+                <a:ea typeface="+mn-ea"/>
+                <a:cs typeface="Comic Sans MS"/>
+              </a:rPr>
+              <a:t>B   </a:t>
             </a:r>
             <a:r>
               <a:rPr kumimoji="0" lang="en-US" sz="4800" b="0" i="0" u="none" strike="noStrike" kern="0" cap="none" spc="0" normalizeH="0" baseline="0" noProof="0" dirty="0" smtClean="0">
@@ -17824,11 +17778,7 @@
             </a:r>
             <a:r>
               <a:rPr lang="en-US" sz="4000" dirty="0" smtClean="0"/>
-              <a:t>Rule</a:t>
-            </a:r>
-            <a:r>
-              <a:rPr lang="en-US" sz="4000" dirty="0" smtClean="0"/>
-              <a:t> (</a:t>
+              <a:t>Rule (</a:t>
             </a:r>
             <a:r>
               <a:rPr lang="en-US" sz="4000" dirty="0" err="1" smtClean="0"/>
@@ -17878,14 +17828,7 @@
                 <a:latin typeface="Comic Sans MS" pitchFamily="66" charset="0"/>
                 <a:cs typeface="Comic Sans MS"/>
               </a:rPr>
-              <a:t> </a:t>
-            </a:r>
-            <a:r>
-              <a:rPr lang="en-US" sz="6000" dirty="0" smtClean="0">
-                <a:latin typeface="Comic Sans MS" pitchFamily="66" charset="0"/>
-                <a:cs typeface="Comic Sans MS"/>
-              </a:rPr>
-              <a:t>function: </a:t>
+              <a:t> function: </a:t>
             </a:r>
             <a:r>
               <a:rPr lang="en-US" sz="6000" dirty="0" smtClean="0">
@@ -18015,14 +17958,7 @@
                 <a:latin typeface="Comic Sans MS" pitchFamily="66" charset="0"/>
                 <a:cs typeface="Comic Sans MS"/>
               </a:rPr>
-              <a:t>implies #</a:t>
-            </a:r>
-            <a:r>
-              <a:rPr lang="en-US" sz="6000" dirty="0" smtClean="0">
-                <a:latin typeface="Comic Sans MS" pitchFamily="66" charset="0"/>
-                <a:cs typeface="Comic Sans MS"/>
-              </a:rPr>
-              <a:t>arrows </a:t>
+              <a:t>implies #arrows </a:t>
             </a:r>
             <a:r>
               <a:rPr lang="en-US" sz="6000" dirty="0" smtClean="0">

--- a/spring11/slides11/slides3f.pptx
+++ b/spring11/slides11/slides3f.pptx
@@ -5341,7 +5341,7 @@
                             </p:stCondLst>
                             <p:childTnLst>
                               <p:par>
-                                <p:cTn id="5" presetID="10" presetClass="entr" presetSubtype="0" fill="hold" grpId="0" nodeType="clickEffect">
+                                <p:cTn id="5" presetID="10" presetClass="entr" presetSubtype="0" fill="hold" grpId="1" nodeType="clickEffect">
                                   <p:stCondLst>
                                     <p:cond delay="0"/>
                                   </p:stCondLst>
@@ -5402,7 +5402,7 @@
                             </p:stCondLst>
                             <p:childTnLst>
                               <p:par>
-                                <p:cTn id="10" presetID="10" presetClass="entr" presetSubtype="0" fill="hold" grpId="0" nodeType="clickEffect">
+                                <p:cTn id="10" presetID="10" presetClass="entr" presetSubtype="0" fill="hold" grpId="1" nodeType="clickEffect">
                                   <p:stCondLst>
                                     <p:cond delay="0"/>
                                   </p:stCondLst>
@@ -5463,7 +5463,7 @@
                             </p:stCondLst>
                             <p:childTnLst>
                               <p:par>
-                                <p:cTn id="15" presetID="10" presetClass="entr" presetSubtype="0" fill="hold" grpId="0" nodeType="clickEffect">
+                                <p:cTn id="15" presetID="10" presetClass="entr" presetSubtype="0" fill="hold" grpId="1" nodeType="clickEffect">
                                   <p:stCondLst>
                                     <p:cond delay="0"/>
                                   </p:stCondLst>
@@ -5524,7 +5524,7 @@
                             </p:stCondLst>
                             <p:childTnLst>
                               <p:par>
-                                <p:cTn id="20" presetID="10" presetClass="entr" presetSubtype="0" fill="hold" grpId="0" nodeType="clickEffect">
+                                <p:cTn id="20" presetID="10" presetClass="entr" presetSubtype="0" fill="hold" grpId="1" nodeType="clickEffect">
                                   <p:stCondLst>
                                     <p:cond delay="0"/>
                                   </p:stCondLst>
@@ -5594,7 +5594,7 @@
       </p:par>
     </p:tnLst>
     <p:bldLst>
-      <p:bldP spid="4" grpId="0" build="p"/>
+      <p:bldP spid="4" grpId="1" build="p"/>
     </p:bldLst>
   </p:timing>
 </p:sld>
@@ -5865,6 +5865,9 @@
   <p:clrMapOvr>
     <a:masterClrMapping/>
   </p:clrMapOvr>
+  <p:transition>
+    <p:fade/>
+  </p:transition>
   <p:timing>
     <p:tnLst>
       <p:par>
@@ -5877,6 +5880,9 @@
                     <p:cTn id="3" fill="hold">
                       <p:stCondLst>
                         <p:cond delay="indefinite"/>
+                        <p:cond evt="onBegin" delay="0">
+                          <p:tn val="2"/>
+                        </p:cond>
                       </p:stCondLst>
                       <p:childTnLst>
                         <p:par>
@@ -5886,7 +5892,7 @@
                             </p:stCondLst>
                             <p:childTnLst>
                               <p:par>
-                                <p:cTn id="5" presetID="10" presetClass="entr" presetSubtype="0" fill="hold" grpId="0" nodeType="clickEffect">
+                                <p:cTn id="5" presetID="22" presetClass="entr" presetSubtype="8" fill="hold" grpId="0" nodeType="afterEffect">
                                   <p:stCondLst>
                                     <p:cond delay="0"/>
                                   </p:stCondLst>
@@ -5901,7 +5907,7 @@
                                         <p:tgtEl>
                                           <p:spTgt spid="4">
                                             <p:txEl>
-                                              <p:pRg st="0" end="0"/>
+                                              <p:pRg st="1" end="1"/>
                                             </p:txEl>
                                           </p:spTgt>
                                         </p:tgtEl>
@@ -5913,13 +5919,13 @@
                                         <p:strVal val="visible"/>
                                       </p:to>
                                     </p:set>
-                                    <p:animEffect transition="in" filter="fade">
+                                    <p:animEffect transition="in" filter="wipe(left)">
                                       <p:cBhvr>
                                         <p:cTn id="7" dur="500"/>
                                         <p:tgtEl>
                                           <p:spTgt spid="4">
                                             <p:txEl>
-                                              <p:pRg st="0" end="0"/>
+                                              <p:pRg st="1" end="1"/>
                                             </p:txEl>
                                           </p:spTgt>
                                         </p:tgtEl>
@@ -5962,7 +5968,7 @@
                                         <p:tgtEl>
                                           <p:spTgt spid="4">
                                             <p:txEl>
-                                              <p:pRg st="1" end="1"/>
+                                              <p:pRg st="2" end="2"/>
                                             </p:txEl>
                                           </p:spTgt>
                                         </p:tgtEl>
@@ -5980,7 +5986,7 @@
                                         <p:tgtEl>
                                           <p:spTgt spid="4">
                                             <p:txEl>
-                                              <p:pRg st="1" end="1"/>
+                                              <p:pRg st="2" end="2"/>
                                             </p:txEl>
                                           </p:spTgt>
                                         </p:tgtEl>
@@ -6023,7 +6029,7 @@
                                         <p:tgtEl>
                                           <p:spTgt spid="4">
                                             <p:txEl>
-                                              <p:pRg st="2" end="2"/>
+                                              <p:pRg st="3" end="3"/>
                                             </p:txEl>
                                           </p:spTgt>
                                         </p:tgtEl>
@@ -6041,7 +6047,7 @@
                                         <p:tgtEl>
                                           <p:spTgt spid="4">
                                             <p:txEl>
-                                              <p:pRg st="2" end="2"/>
+                                              <p:pRg st="3" end="3"/>
                                             </p:txEl>
                                           </p:spTgt>
                                         </p:tgtEl>
@@ -6069,7 +6075,7 @@
                             </p:stCondLst>
                             <p:childTnLst>
                               <p:par>
-                                <p:cTn id="20" presetID="10" presetClass="entr" presetSubtype="0" fill="hold" grpId="0" nodeType="clickEffect">
+                                <p:cTn id="20" presetID="22" presetClass="entr" presetSubtype="8" fill="hold" grpId="0" nodeType="clickEffect">
                                   <p:stCondLst>
                                     <p:cond delay="0"/>
                                   </p:stCondLst>
@@ -6077,67 +6083,6 @@
                                     <p:set>
                                       <p:cBhvr>
                                         <p:cTn id="21" dur="1" fill="hold">
-                                          <p:stCondLst>
-                                            <p:cond delay="0"/>
-                                          </p:stCondLst>
-                                        </p:cTn>
-                                        <p:tgtEl>
-                                          <p:spTgt spid="4">
-                                            <p:txEl>
-                                              <p:pRg st="3" end="3"/>
-                                            </p:txEl>
-                                          </p:spTgt>
-                                        </p:tgtEl>
-                                        <p:attrNameLst>
-                                          <p:attrName>style.visibility</p:attrName>
-                                        </p:attrNameLst>
-                                      </p:cBhvr>
-                                      <p:to>
-                                        <p:strVal val="visible"/>
-                                      </p:to>
-                                    </p:set>
-                                    <p:animEffect transition="in" filter="fade">
-                                      <p:cBhvr>
-                                        <p:cTn id="22" dur="500"/>
-                                        <p:tgtEl>
-                                          <p:spTgt spid="4">
-                                            <p:txEl>
-                                              <p:pRg st="3" end="3"/>
-                                            </p:txEl>
-                                          </p:spTgt>
-                                        </p:tgtEl>
-                                      </p:cBhvr>
-                                    </p:animEffect>
-                                  </p:childTnLst>
-                                </p:cTn>
-                              </p:par>
-                            </p:childTnLst>
-                          </p:cTn>
-                        </p:par>
-                      </p:childTnLst>
-                    </p:cTn>
-                  </p:par>
-                  <p:par>
-                    <p:cTn id="23" fill="hold">
-                      <p:stCondLst>
-                        <p:cond delay="indefinite"/>
-                      </p:stCondLst>
-                      <p:childTnLst>
-                        <p:par>
-                          <p:cTn id="24" fill="hold">
-                            <p:stCondLst>
-                              <p:cond delay="0"/>
-                            </p:stCondLst>
-                            <p:childTnLst>
-                              <p:par>
-                                <p:cTn id="25" presetID="53" presetClass="entr" presetSubtype="0" fill="hold" grpId="0" nodeType="clickEffect">
-                                  <p:stCondLst>
-                                    <p:cond delay="0"/>
-                                  </p:stCondLst>
-                                  <p:childTnLst>
-                                    <p:set>
-                                      <p:cBhvr>
-                                        <p:cTn id="26" dur="1" fill="hold">
                                           <p:stCondLst>
                                             <p:cond delay="0"/>
                                           </p:stCondLst>
@@ -6157,63 +6102,9 @@
                                         <p:strVal val="visible"/>
                                       </p:to>
                                     </p:set>
-                                    <p:anim calcmode="lin" valueType="num">
+                                    <p:animEffect transition="in" filter="wipe(left)">
                                       <p:cBhvr>
-                                        <p:cTn id="27" dur="500" fill="hold"/>
-                                        <p:tgtEl>
-                                          <p:spTgt spid="4">
-                                            <p:txEl>
-                                              <p:pRg st="4" end="4"/>
-                                            </p:txEl>
-                                          </p:spTgt>
-                                        </p:tgtEl>
-                                        <p:attrNameLst>
-                                          <p:attrName>ppt_w</p:attrName>
-                                        </p:attrNameLst>
-                                      </p:cBhvr>
-                                      <p:tavLst>
-                                        <p:tav tm="0">
-                                          <p:val>
-                                            <p:fltVal val="0"/>
-                                          </p:val>
-                                        </p:tav>
-                                        <p:tav tm="100000">
-                                          <p:val>
-                                            <p:strVal val="#ppt_w"/>
-                                          </p:val>
-                                        </p:tav>
-                                      </p:tavLst>
-                                    </p:anim>
-                                    <p:anim calcmode="lin" valueType="num">
-                                      <p:cBhvr>
-                                        <p:cTn id="28" dur="500" fill="hold"/>
-                                        <p:tgtEl>
-                                          <p:spTgt spid="4">
-                                            <p:txEl>
-                                              <p:pRg st="4" end="4"/>
-                                            </p:txEl>
-                                          </p:spTgt>
-                                        </p:tgtEl>
-                                        <p:attrNameLst>
-                                          <p:attrName>ppt_h</p:attrName>
-                                        </p:attrNameLst>
-                                      </p:cBhvr>
-                                      <p:tavLst>
-                                        <p:tav tm="0">
-                                          <p:val>
-                                            <p:fltVal val="0"/>
-                                          </p:val>
-                                        </p:tav>
-                                        <p:tav tm="100000">
-                                          <p:val>
-                                            <p:strVal val="#ppt_h"/>
-                                          </p:val>
-                                        </p:tav>
-                                      </p:tavLst>
-                                    </p:anim>
-                                    <p:animEffect transition="in" filter="fade">
-                                      <p:cBhvr>
-                                        <p:cTn id="29" dur="500"/>
+                                        <p:cTn id="22" dur="500"/>
                                         <p:tgtEl>
                                           <p:spTgt spid="4">
                                             <p:txEl>
@@ -7721,24 +7612,7 @@
                 <a:ea typeface="+mn-ea"/>
                 <a:cs typeface="Comic Sans MS"/>
               </a:rPr>
-              <a:t>(A  </a:t>
-            </a:r>
-            <a:r>
-              <a:rPr kumimoji="0" lang="en-US" sz="4800" b="0" i="0" u="none" strike="noStrike" kern="0" cap="none" spc="0" normalizeH="0" baseline="0" noProof="0" dirty="0" smtClean="0">
-                <a:ln>
-                  <a:noFill/>
-                </a:ln>
-                <a:solidFill>
-                  <a:srgbClr val="0000FF"/>
-                </a:solidFill>
-                <a:effectLst/>
-                <a:uLnTx/>
-                <a:uFillTx/>
-                <a:latin typeface="Comic Sans MS"/>
-                <a:ea typeface="+mn-ea"/>
-                <a:cs typeface="Comic Sans MS"/>
-              </a:rPr>
-              <a:t> </a:t>
+              <a:t>(A   </a:t>
             </a:r>
             <a:r>
               <a:rPr lang="en-US" sz="4800" kern="0" smtClean="0">
@@ -11303,8 +11177,8 @@
         </p:nvSpPr>
         <p:spPr>
           <a:xfrm>
-            <a:off x="1447800" y="304800"/>
-            <a:ext cx="7112000" cy="1092200"/>
+            <a:off x="1447800" y="304799"/>
+            <a:ext cx="7297908" cy="1121107"/>
           </a:xfrm>
         </p:spPr>
         <p:txBody>
@@ -11312,11 +11186,11 @@
           <a:lstStyle/>
           <a:p>
             <a:r>
-              <a:rPr lang="en-US" sz="3200" dirty="0" smtClean="0"/>
+              <a:rPr lang="en-US" sz="4000" dirty="0" smtClean="0"/>
               <a:t> </a:t>
             </a:r>
             <a:r>
-              <a:rPr lang="en-US" sz="3200" dirty="0" err="1" smtClean="0">
+              <a:rPr lang="en-US" sz="4000" dirty="0" err="1" smtClean="0">
                 <a:solidFill>
                   <a:srgbClr val="0000FF"/>
                 </a:solidFill>
@@ -11324,7 +11198,7 @@
               <a:t>pow(</a:t>
             </a:r>
             <a:r>
-              <a:rPr lang="en-US" dirty="0" err="1" smtClean="0">
+              <a:rPr lang="en-US" sz="4400" dirty="0" err="1" smtClean="0">
                 <a:solidFill>
                   <a:srgbClr val="0000FF"/>
                 </a:solidFill>
@@ -11333,35 +11207,56 @@
               <a:t>N</a:t>
             </a:r>
             <a:r>
-              <a:rPr lang="en-US" sz="3200" dirty="0" smtClean="0">
-                <a:solidFill>
-                  <a:srgbClr val="0000FF"/>
-                </a:solidFill>
-              </a:rPr>
-              <a:t>) </a:t>
-            </a:r>
-            <a:r>
-              <a:rPr lang="en-US" sz="3200" dirty="0" err="1" smtClean="0"/>
-              <a:t>bijection</a:t>
-            </a:r>
-            <a:r>
-              <a:rPr lang="en-US" sz="3200" dirty="0" smtClean="0"/>
-              <a:t> to </a:t>
-            </a:r>
-            <a:r>
-              <a:rPr lang="en-US" sz="3200" dirty="0" smtClean="0">
-                <a:solidFill>
-                  <a:srgbClr val="0000FF"/>
-                </a:solidFill>
-                <a:latin typeface="Euclid Symbol" charset="2"/>
-              </a:rPr>
-              <a:t>1 </a:t>
-            </a:r>
-            <a:r>
-              <a:rPr lang="en-US" sz="3200" dirty="0" smtClean="0"/>
-              <a:t>bit-strings</a:t>
-            </a:r>
-            <a:endParaRPr lang="en-US" sz="3200" dirty="0"/>
+              <a:rPr lang="en-US" sz="4000" dirty="0" smtClean="0">
+                <a:solidFill>
+                  <a:srgbClr val="0000FF"/>
+                </a:solidFill>
+              </a:rPr>
+              <a:t>)  </a:t>
+            </a:r>
+            <a:r>
+              <a:rPr lang="en-US" sz="4000" dirty="0" err="1" smtClean="0"/>
+              <a:t>bij</a:t>
+            </a:r>
+            <a:r>
+              <a:rPr lang="en-US" sz="4000" dirty="0" smtClean="0"/>
+              <a:t> </a:t>
+            </a:r>
+            <a:r>
+              <a:rPr lang="en-US" sz="6000" dirty="0" smtClean="0">
+                <a:latin typeface="Symbol" charset="2"/>
+                <a:cs typeface="Symbol" charset="2"/>
+              </a:rPr>
+              <a:t>  </a:t>
+            </a:r>
+            <a:r>
+              <a:rPr lang="en-US" sz="6000" dirty="0" smtClean="0">
+                <a:solidFill>
+                  <a:srgbClr val="BC34AA"/>
+                </a:solidFill>
+                <a:latin typeface="Symbol" charset="2"/>
+                <a:cs typeface="Symbol" charset="2"/>
+              </a:rPr>
+              <a:t>∞</a:t>
+            </a:r>
+            <a:r>
+              <a:rPr lang="en-US" sz="4000" dirty="0" smtClean="0">
+                <a:solidFill>
+                  <a:srgbClr val="0000FF"/>
+                </a:solidFill>
+                <a:latin typeface="Comic Sans MS"/>
+              </a:rPr>
+              <a:t>-</a:t>
+            </a:r>
+            <a:r>
+              <a:rPr lang="en-US" sz="4000" dirty="0" smtClean="0"/>
+              <a:t>bit</a:t>
+            </a:r>
+            <a:r>
+              <a:rPr lang="en-US" sz="4000" dirty="0" smtClean="0"/>
+              <a:t>-strings</a:t>
+            </a:r>
+            <a:endParaRPr lang="en-US" sz="4000" dirty="0"/>
           </a:p>
         </p:txBody>
       </p:sp>
@@ -11519,7 +11414,7 @@
                 <a:latin typeface="Comic Sans MS" pitchFamily="66" charset="0"/>
                 <a:cs typeface="Comic Sans MS"/>
               </a:rPr>
-              <a:t>1    0   1   1  0  </a:t>
+              <a:t>1</a:t>
             </a:r>
             <a:r>
               <a:rPr lang="en-US" sz="4400" dirty="0" smtClean="0">
@@ -11529,7 +11424,67 @@
                 <a:latin typeface="Comic Sans MS" pitchFamily="66" charset="0"/>
                 <a:cs typeface="Comic Sans MS"/>
               </a:rPr>
-              <a:t> 1  …  }   </a:t>
+              <a:t>  </a:t>
+            </a:r>
+            <a:r>
+              <a:rPr lang="en-US" sz="4400" dirty="0">
+                <a:solidFill>
+                  <a:srgbClr val="0000FF"/>
+                </a:solidFill>
+                <a:latin typeface="Comic Sans MS" pitchFamily="66" charset="0"/>
+                <a:cs typeface="Comic Sans MS"/>
+              </a:rPr>
+              <a:t>0 </a:t>
+            </a:r>
+            <a:r>
+              <a:rPr lang="en-US" sz="4400" dirty="0" smtClean="0">
+                <a:solidFill>
+                  <a:srgbClr val="0000FF"/>
+                </a:solidFill>
+                <a:latin typeface="Comic Sans MS" pitchFamily="66" charset="0"/>
+                <a:cs typeface="Comic Sans MS"/>
+              </a:rPr>
+              <a:t> 1  </a:t>
+            </a:r>
+            <a:r>
+              <a:rPr lang="en-US" sz="4400" dirty="0" smtClean="0">
+                <a:solidFill>
+                  <a:srgbClr val="0000FF"/>
+                </a:solidFill>
+                <a:latin typeface="Comic Sans MS" pitchFamily="66" charset="0"/>
+                <a:cs typeface="Comic Sans MS"/>
+              </a:rPr>
+              <a:t>1</a:t>
+            </a:r>
+            <a:r>
+              <a:rPr lang="en-US" sz="4400" dirty="0" smtClean="0">
+                <a:solidFill>
+                  <a:srgbClr val="0000FF"/>
+                </a:solidFill>
+                <a:latin typeface="Comic Sans MS" pitchFamily="66" charset="0"/>
+                <a:cs typeface="Comic Sans MS"/>
+              </a:rPr>
+              <a:t> 0  0  1  </a:t>
+            </a:r>
+            <a:r>
+              <a:rPr lang="en-US" sz="4400" dirty="0" smtClean="0">
+                <a:solidFill>
+                  <a:srgbClr val="0000FF"/>
+                </a:solidFill>
+                <a:latin typeface="Comic Sans MS" pitchFamily="66" charset="0"/>
+                <a:cs typeface="Comic Sans MS"/>
+              </a:rPr>
+              <a:t>… </a:t>
+            </a:r>
+            <a:r>
+              <a:rPr lang="en-US" sz="4400" dirty="0" smtClean="0">
+                <a:solidFill>
+                  <a:srgbClr val="0000FF"/>
+                </a:solidFill>
+                <a:latin typeface="Comic Sans MS" pitchFamily="66" charset="0"/>
+                <a:cs typeface="Comic Sans MS"/>
+              </a:rPr>
+              <a:t>    </a:t>
             </a:r>
             <a:r>
               <a:rPr lang="en-US" sz="4800" dirty="0" smtClean="0">
@@ -11632,7 +11587,67 @@
                 <a:latin typeface="Comic Sans MS" pitchFamily="66" charset="0"/>
                 <a:cs typeface="Comic Sans MS"/>
               </a:rPr>
-              <a:t>{0,       2, 3,    , 5  …  } </a:t>
+              <a:t>{0, </a:t>
+            </a:r>
+            <a:r>
+              <a:rPr lang="en-US" sz="4400" dirty="0" smtClean="0">
+                <a:solidFill>
+                  <a:srgbClr val="0000FF"/>
+                </a:solidFill>
+                <a:latin typeface="Comic Sans MS" pitchFamily="66" charset="0"/>
+                <a:cs typeface="Comic Sans MS"/>
+              </a:rPr>
+              <a:t> , </a:t>
+            </a:r>
+            <a:r>
+              <a:rPr lang="en-US" sz="4400" dirty="0" smtClean="0">
+                <a:solidFill>
+                  <a:srgbClr val="0000FF"/>
+                </a:solidFill>
+                <a:latin typeface="Comic Sans MS" pitchFamily="66" charset="0"/>
+                <a:cs typeface="Comic Sans MS"/>
+              </a:rPr>
+              <a:t>2, 3,</a:t>
+            </a:r>
+            <a:r>
+              <a:rPr lang="en-US" sz="4400" dirty="0" smtClean="0">
+                <a:solidFill>
+                  <a:srgbClr val="0000FF"/>
+                </a:solidFill>
+                <a:latin typeface="Comic Sans MS" pitchFamily="66" charset="0"/>
+                <a:cs typeface="Comic Sans MS"/>
+              </a:rPr>
+              <a:t>  </a:t>
+            </a:r>
+            <a:r>
+              <a:rPr lang="en-US" sz="4400" dirty="0" smtClean="0">
+                <a:solidFill>
+                  <a:srgbClr val="0000FF"/>
+                </a:solidFill>
+                <a:latin typeface="Comic Sans MS" pitchFamily="66" charset="0"/>
+                <a:cs typeface="Comic Sans MS"/>
+              </a:rPr>
+              <a:t>,</a:t>
+            </a:r>
+            <a:r>
+              <a:rPr lang="en-US" sz="4400" dirty="0" smtClean="0">
+                <a:solidFill>
+                  <a:srgbClr val="0000FF"/>
+                </a:solidFill>
+                <a:latin typeface="Comic Sans MS" pitchFamily="66" charset="0"/>
+                <a:cs typeface="Comic Sans MS"/>
+              </a:rPr>
+              <a:t>  , 6, </a:t>
+            </a:r>
+            <a:r>
+              <a:rPr lang="en-US" sz="4400" dirty="0" smtClean="0">
+                <a:solidFill>
+                  <a:srgbClr val="0000FF"/>
+                </a:solidFill>
+                <a:latin typeface="Comic Sans MS" pitchFamily="66" charset="0"/>
+                <a:cs typeface="Comic Sans MS"/>
+              </a:rPr>
+              <a:t>…  } </a:t>
             </a:r>
             <a:endParaRPr lang="en-US" sz="4400" dirty="0">
               <a:solidFill>
@@ -11826,7 +11841,7 @@
                             </p:stCondLst>
                             <p:childTnLst>
                               <p:par>
-                                <p:cTn id="5" presetID="1" presetClass="entr" presetSubtype="0" fill="hold" grpId="0" nodeType="clickEffect">
+                                <p:cTn id="5" presetID="22" presetClass="entr" presetSubtype="8" fill="hold" grpId="0" nodeType="clickEffect">
                                   <p:stCondLst>
                                     <p:cond delay="0"/>
                                   </p:stCondLst>
@@ -11835,7 +11850,60 @@
                                       <p:cBhvr>
                                         <p:cTn id="6" dur="1" fill="hold">
                                           <p:stCondLst>
-                                            <p:cond delay="499"/>
+                                            <p:cond delay="0"/>
+                                          </p:stCondLst>
+                                        </p:cTn>
+                                        <p:tgtEl>
+                                          <p:spTgt spid="340999"/>
+                                        </p:tgtEl>
+                                        <p:attrNameLst>
+                                          <p:attrName>style.visibility</p:attrName>
+                                        </p:attrNameLst>
+                                      </p:cBhvr>
+                                      <p:to>
+                                        <p:strVal val="visible"/>
+                                      </p:to>
+                                    </p:set>
+                                    <p:animEffect transition="in" filter="wipe(left)">
+                                      <p:cBhvr>
+                                        <p:cTn id="7" dur="500"/>
+                                        <p:tgtEl>
+                                          <p:spTgt spid="340999"/>
+                                        </p:tgtEl>
+                                      </p:cBhvr>
+                                    </p:animEffect>
+                                  </p:childTnLst>
+                                </p:cTn>
+                              </p:par>
+                            </p:childTnLst>
+                          </p:cTn>
+                        </p:par>
+                      </p:childTnLst>
+                    </p:cTn>
+                  </p:par>
+                  <p:par>
+                    <p:cTn id="8" fill="hold">
+                      <p:stCondLst>
+                        <p:cond delay="indefinite"/>
+                      </p:stCondLst>
+                      <p:childTnLst>
+                        <p:par>
+                          <p:cTn id="9" fill="hold">
+                            <p:stCondLst>
+                              <p:cond delay="0"/>
+                            </p:stCondLst>
+                            <p:childTnLst>
+                              <p:par>
+                                <p:cTn id="10" presetID="22" presetClass="entr" presetSubtype="8" fill="hold" grpId="0" nodeType="clickEffect">
+                                  <p:stCondLst>
+                                    <p:cond delay="0"/>
+                                  </p:stCondLst>
+                                  <p:childTnLst>
+                                    <p:set>
+                                      <p:cBhvr>
+                                        <p:cTn id="11" dur="1" fill="hold">
+                                          <p:stCondLst>
+                                            <p:cond delay="0"/>
                                           </p:stCondLst>
                                         </p:cTn>
                                         <p:tgtEl>
@@ -11849,6 +11917,14 @@
                                         <p:strVal val="visible"/>
                                       </p:to>
                                     </p:set>
+                                    <p:animEffect transition="in" filter="wipe(left)">
+                                      <p:cBhvr>
+                                        <p:cTn id="12" dur="1000"/>
+                                        <p:tgtEl>
+                                          <p:spTgt spid="340998"/>
+                                        </p:tgtEl>
+                                      </p:cBhvr>
+                                    </p:animEffect>
                                   </p:childTnLst>
                                 </p:cTn>
                               </p:par>
@@ -11859,26 +11935,26 @@
                     </p:cTn>
                   </p:par>
                   <p:par>
-                    <p:cTn id="7" fill="hold">
+                    <p:cTn id="13" fill="hold">
                       <p:stCondLst>
                         <p:cond delay="indefinite"/>
                       </p:stCondLst>
                       <p:childTnLst>
                         <p:par>
-                          <p:cTn id="8" fill="hold">
+                          <p:cTn id="14" fill="hold">
                             <p:stCondLst>
                               <p:cond delay="0"/>
                             </p:stCondLst>
                             <p:childTnLst>
                               <p:par>
-                                <p:cTn id="9" presetID="1" presetClass="entr" presetSubtype="0" fill="hold" grpId="0" nodeType="clickEffect">
+                                <p:cTn id="15" presetID="9" presetClass="entr" presetSubtype="0" fill="hold" grpId="0" nodeType="clickEffect">
                                   <p:stCondLst>
                                     <p:cond delay="0"/>
                                   </p:stCondLst>
                                   <p:childTnLst>
                                     <p:set>
                                       <p:cBhvr>
-                                        <p:cTn id="10" dur="1" fill="hold">
+                                        <p:cTn id="16" dur="1" fill="hold">
                                           <p:stCondLst>
                                             <p:cond delay="0"/>
                                           </p:stCondLst>
@@ -11894,6 +11970,14 @@
                                         <p:strVal val="visible"/>
                                       </p:to>
                                     </p:set>
+                                    <p:animEffect transition="in" filter="dissolve">
+                                      <p:cBhvr>
+                                        <p:cTn id="17" dur="500"/>
+                                        <p:tgtEl>
+                                          <p:spTgt spid="341000"/>
+                                        </p:tgtEl>
+                                      </p:cBhvr>
+                                    </p:animEffect>
                                   </p:childTnLst>
                                 </p:cTn>
                               </p:par>
@@ -11926,6 +12010,7 @@
     </p:tnLst>
     <p:bldLst>
       <p:bldP spid="340998" grpId="0" autoUpdateAnimBg="0"/>
+      <p:bldP spid="340999" grpId="0"/>
       <p:bldP spid="341000" grpId="0"/>
     </p:bldLst>
   </p:timing>
@@ -14995,6 +15080,9 @@
                     <p:cTn id="3" fill="hold">
                       <p:stCondLst>
                         <p:cond delay="indefinite"/>
+                        <p:cond evt="onBegin" delay="0">
+                          <p:tn val="2"/>
+                        </p:cond>
                       </p:stCondLst>
                       <p:childTnLst>
                         <p:par>
@@ -15004,7 +15092,7 @@
                             </p:stCondLst>
                             <p:childTnLst>
                               <p:par>
-                                <p:cTn id="5" presetID="15" presetClass="entr" presetSubtype="0" fill="hold" nodeType="clickEffect">
+                                <p:cTn id="5" presetID="22" presetClass="entr" presetSubtype="8" fill="hold" nodeType="afterEffect">
                                   <p:stCondLst>
                                     <p:cond delay="0"/>
                                   </p:stCondLst>
@@ -15031,9 +15119,9 @@
                                         <p:strVal val="visible"/>
                                       </p:to>
                                     </p:set>
-                                    <p:anim calcmode="lin" valueType="num">
+                                    <p:animEffect transition="in" filter="wipe(left)">
                                       <p:cBhvr>
-                                        <p:cTn id="7" dur="1000" fill="hold"/>
+                                        <p:cTn id="7" dur="500"/>
                                         <p:tgtEl>
                                           <p:spTgt spid="9">
                                             <p:txEl>
@@ -15041,104 +15129,8 @@
                                             </p:txEl>
                                           </p:spTgt>
                                         </p:tgtEl>
-                                        <p:attrNameLst>
-                                          <p:attrName>ppt_w</p:attrName>
-                                        </p:attrNameLst>
                                       </p:cBhvr>
-                                      <p:tavLst>
-                                        <p:tav tm="0">
-                                          <p:val>
-                                            <p:fltVal val="0"/>
-                                          </p:val>
-                                        </p:tav>
-                                        <p:tav tm="100000">
-                                          <p:val>
-                                            <p:strVal val="#ppt_w"/>
-                                          </p:val>
-                                        </p:tav>
-                                      </p:tavLst>
-                                    </p:anim>
-                                    <p:anim calcmode="lin" valueType="num">
-                                      <p:cBhvr>
-                                        <p:cTn id="8" dur="1000" fill="hold"/>
-                                        <p:tgtEl>
-                                          <p:spTgt spid="9">
-                                            <p:txEl>
-                                              <p:pRg st="2" end="2"/>
-                                            </p:txEl>
-                                          </p:spTgt>
-                                        </p:tgtEl>
-                                        <p:attrNameLst>
-                                          <p:attrName>ppt_h</p:attrName>
-                                        </p:attrNameLst>
-                                      </p:cBhvr>
-                                      <p:tavLst>
-                                        <p:tav tm="0">
-                                          <p:val>
-                                            <p:fltVal val="0"/>
-                                          </p:val>
-                                        </p:tav>
-                                        <p:tav tm="100000">
-                                          <p:val>
-                                            <p:strVal val="#ppt_h"/>
-                                          </p:val>
-                                        </p:tav>
-                                      </p:tavLst>
-                                    </p:anim>
-                                    <p:anim calcmode="lin" valueType="num">
-                                      <p:cBhvr>
-                                        <p:cTn id="9" dur="1000" fill="hold"/>
-                                        <p:tgtEl>
-                                          <p:spTgt spid="9">
-                                            <p:txEl>
-                                              <p:pRg st="2" end="2"/>
-                                            </p:txEl>
-                                          </p:spTgt>
-                                        </p:tgtEl>
-                                        <p:attrNameLst>
-                                          <p:attrName>ppt_x</p:attrName>
-                                        </p:attrNameLst>
-                                      </p:cBhvr>
-                                      <p:tavLst>
-                                        <p:tav tm="0" fmla="#ppt_x+(cos(-2*pi*(1-$))*-#ppt_x-sin(-2*pi*(1-$))*(1-#ppt_y))*(1-$)">
-                                          <p:val>
-                                            <p:fltVal val="0"/>
-                                          </p:val>
-                                        </p:tav>
-                                        <p:tav tm="100000">
-                                          <p:val>
-                                            <p:fltVal val="1"/>
-                                          </p:val>
-                                        </p:tav>
-                                      </p:tavLst>
-                                    </p:anim>
-                                    <p:anim calcmode="lin" valueType="num">
-                                      <p:cBhvr>
-                                        <p:cTn id="10" dur="1000" fill="hold"/>
-                                        <p:tgtEl>
-                                          <p:spTgt spid="9">
-                                            <p:txEl>
-                                              <p:pRg st="2" end="2"/>
-                                            </p:txEl>
-                                          </p:spTgt>
-                                        </p:tgtEl>
-                                        <p:attrNameLst>
-                                          <p:attrName>ppt_y</p:attrName>
-                                        </p:attrNameLst>
-                                      </p:cBhvr>
-                                      <p:tavLst>
-                                        <p:tav tm="0" fmla="#ppt_y+(sin(-2*pi*(1-$))*-#ppt_x+cos(-2*pi*(1-$))*(1-#ppt_y))*(1-$)">
-                                          <p:val>
-                                            <p:fltVal val="0"/>
-                                          </p:val>
-                                        </p:tav>
-                                        <p:tav tm="100000">
-                                          <p:val>
-                                            <p:fltVal val="1"/>
-                                          </p:val>
-                                        </p:tav>
-                                      </p:tavLst>
-                                    </p:anim>
+                                    </p:animEffect>
                                   </p:childTnLst>
                                 </p:cTn>
                               </p:par>
@@ -15149,26 +15141,26 @@
                     </p:cTn>
                   </p:par>
                   <p:par>
-                    <p:cTn id="11" fill="hold">
+                    <p:cTn id="8" fill="hold">
                       <p:stCondLst>
                         <p:cond delay="indefinite"/>
                       </p:stCondLst>
                       <p:childTnLst>
                         <p:par>
-                          <p:cTn id="12" fill="hold">
+                          <p:cTn id="9" fill="hold">
                             <p:stCondLst>
                               <p:cond delay="0"/>
                             </p:stCondLst>
                             <p:childTnLst>
                               <p:par>
-                                <p:cTn id="13" presetID="15" presetClass="entr" presetSubtype="0" fill="hold" nodeType="clickEffect">
+                                <p:cTn id="10" presetID="15" presetClass="entr" presetSubtype="0" fill="hold" nodeType="clickEffect">
                                   <p:stCondLst>
                                     <p:cond delay="0"/>
                                   </p:stCondLst>
                                   <p:childTnLst>
                                     <p:set>
                                       <p:cBhvr>
-                                        <p:cTn id="14" dur="1" fill="hold">
+                                        <p:cTn id="11" dur="1" fill="hold">
                                           <p:stCondLst>
                                             <p:cond delay="0"/>
                                           </p:stCondLst>
@@ -15190,7 +15182,7 @@
                                     </p:set>
                                     <p:anim calcmode="lin" valueType="num">
                                       <p:cBhvr>
-                                        <p:cTn id="15" dur="1000" fill="hold"/>
+                                        <p:cTn id="12" dur="1000" fill="hold"/>
                                         <p:tgtEl>
                                           <p:spTgt spid="9">
                                             <p:txEl>
@@ -15217,7 +15209,7 @@
                                     </p:anim>
                                     <p:anim calcmode="lin" valueType="num">
                                       <p:cBhvr>
-                                        <p:cTn id="16" dur="1000" fill="hold"/>
+                                        <p:cTn id="13" dur="1000" fill="hold"/>
                                         <p:tgtEl>
                                           <p:spTgt spid="9">
                                             <p:txEl>
@@ -15244,7 +15236,7 @@
                                     </p:anim>
                                     <p:anim calcmode="lin" valueType="num">
                                       <p:cBhvr>
-                                        <p:cTn id="17" dur="1000" fill="hold"/>
+                                        <p:cTn id="14" dur="1000" fill="hold"/>
                                         <p:tgtEl>
                                           <p:spTgt spid="9">
                                             <p:txEl>
@@ -15271,7 +15263,7 @@
                                     </p:anim>
                                     <p:anim calcmode="lin" valueType="num">
                                       <p:cBhvr>
-                                        <p:cTn id="18" dur="1000" fill="hold"/>
+                                        <p:cTn id="15" dur="1000" fill="hold"/>
                                         <p:tgtEl>
                                           <p:spTgt spid="9">
                                             <p:txEl>
@@ -16132,7 +16124,7 @@
                             </p:stCondLst>
                             <p:childTnLst>
                               <p:par>
-                                <p:cTn id="15" presetID="1" presetClass="entr" presetSubtype="0" fill="hold" grpId="0" nodeType="clickEffect">
+                                <p:cTn id="15" presetID="9" presetClass="entr" presetSubtype="0" fill="hold" grpId="0" nodeType="clickEffect">
                                   <p:stCondLst>
                                     <p:cond delay="0"/>
                                   </p:stCondLst>
@@ -16145,7 +16137,11 @@
                                           </p:stCondLst>
                                         </p:cTn>
                                         <p:tgtEl>
-                                          <p:spTgt spid="341000"/>
+                                          <p:spTgt spid="341000">
+                                            <p:txEl>
+                                              <p:pRg st="0" end="0"/>
+                                            </p:txEl>
+                                          </p:spTgt>
                                         </p:tgtEl>
                                         <p:attrNameLst>
                                           <p:attrName>style.visibility</p:attrName>
@@ -16155,6 +16151,70 @@
                                         <p:strVal val="visible"/>
                                       </p:to>
                                     </p:set>
+                                    <p:animEffect transition="in" filter="dissolve">
+                                      <p:cBhvr>
+                                        <p:cTn id="17" dur="500"/>
+                                        <p:tgtEl>
+                                          <p:spTgt spid="341000">
+                                            <p:txEl>
+                                              <p:pRg st="0" end="0"/>
+                                            </p:txEl>
+                                          </p:spTgt>
+                                        </p:tgtEl>
+                                      </p:cBhvr>
+                                    </p:animEffect>
+                                  </p:childTnLst>
+                                </p:cTn>
+                              </p:par>
+                            </p:childTnLst>
+                          </p:cTn>
+                        </p:par>
+                        <p:par>
+                          <p:cTn id="18" fill="hold">
+                            <p:stCondLst>
+                              <p:cond delay="500"/>
+                            </p:stCondLst>
+                            <p:childTnLst>
+                              <p:par>
+                                <p:cTn id="19" presetID="22" presetClass="entr" presetSubtype="8" fill="hold" grpId="0" nodeType="afterEffect">
+                                  <p:stCondLst>
+                                    <p:cond delay="0"/>
+                                  </p:stCondLst>
+                                  <p:childTnLst>
+                                    <p:set>
+                                      <p:cBhvr>
+                                        <p:cTn id="20" dur="1" fill="hold">
+                                          <p:stCondLst>
+                                            <p:cond delay="0"/>
+                                          </p:stCondLst>
+                                        </p:cTn>
+                                        <p:tgtEl>
+                                          <p:spTgt spid="341000">
+                                            <p:txEl>
+                                              <p:pRg st="1" end="1"/>
+                                            </p:txEl>
+                                          </p:spTgt>
+                                        </p:tgtEl>
+                                        <p:attrNameLst>
+                                          <p:attrName>style.visibility</p:attrName>
+                                        </p:attrNameLst>
+                                      </p:cBhvr>
+                                      <p:to>
+                                        <p:strVal val="visible"/>
+                                      </p:to>
+                                    </p:set>
+                                    <p:animEffect transition="in" filter="wipe(left)">
+                                      <p:cBhvr>
+                                        <p:cTn id="21" dur="1000"/>
+                                        <p:tgtEl>
+                                          <p:spTgt spid="341000">
+                                            <p:txEl>
+                                              <p:pRg st="1" end="1"/>
+                                            </p:txEl>
+                                          </p:spTgt>
+                                        </p:tgtEl>
+                                      </p:cBhvr>
+                                    </p:animEffect>
                                   </p:childTnLst>
                                 </p:cTn>
                               </p:par>
@@ -16188,7 +16248,7 @@
     <p:bldLst>
       <p:bldP spid="340998" grpId="0" autoUpdateAnimBg="0"/>
       <p:bldP spid="340999" grpId="0"/>
-      <p:bldP spid="341000" grpId="0"/>
+      <p:bldP spid="341000" grpId="0" build="p"/>
     </p:bldLst>
   </p:timing>
 </p:sld>
@@ -16419,7 +16479,9 @@
   <p:clrMapOvr>
     <a:masterClrMapping/>
   </p:clrMapOvr>
-  <p:transition/>
+  <p:transition spd="slow">
+    <p:fade/>
+  </p:transition>
   <p:timing>
     <p:tnLst>
       <p:par>
@@ -16441,7 +16503,7 @@
                             </p:stCondLst>
                             <p:childTnLst>
                               <p:par>
-                                <p:cTn id="5" presetID="1" presetClass="entr" presetSubtype="0" fill="hold" nodeType="clickEffect">
+                                <p:cTn id="5" presetID="9" presetClass="entr" presetSubtype="0" fill="hold" nodeType="clickEffect">
                                   <p:stCondLst>
                                     <p:cond delay="0"/>
                                   </p:stCondLst>
@@ -16468,18 +16530,39 @@
                                         <p:strVal val="visible"/>
                                       </p:to>
                                     </p:set>
+                                    <p:animEffect transition="in" filter="dissolve">
+                                      <p:cBhvr>
+                                        <p:cTn id="7" dur="500"/>
+                                        <p:tgtEl>
+                                          <p:spTgt spid="9">
+                                            <p:txEl>
+                                              <p:pRg st="2" end="2"/>
+                                            </p:txEl>
+                                          </p:spTgt>
+                                        </p:tgtEl>
+                                      </p:cBhvr>
+                                    </p:animEffect>
                                   </p:childTnLst>
                                 </p:cTn>
                               </p:par>
+                            </p:childTnLst>
+                          </p:cTn>
+                        </p:par>
+                        <p:par>
+                          <p:cTn id="8" fill="hold">
+                            <p:stCondLst>
+                              <p:cond delay="500"/>
+                            </p:stCondLst>
+                            <p:childTnLst>
                               <p:par>
-                                <p:cTn id="7" presetID="1" presetClass="entr" presetSubtype="0" fill="hold" nodeType="withEffect">
+                                <p:cTn id="9" presetID="22" presetClass="entr" presetSubtype="8" fill="hold" nodeType="afterEffect">
                                   <p:stCondLst>
                                     <p:cond delay="0"/>
                                   </p:stCondLst>
                                   <p:childTnLst>
                                     <p:set>
                                       <p:cBhvr>
-                                        <p:cTn id="8" dur="1" fill="hold">
+                                        <p:cTn id="10" dur="1" fill="hold">
                                           <p:stCondLst>
                                             <p:cond delay="0"/>
                                           </p:stCondLst>
@@ -16499,6 +16582,18 @@
                                         <p:strVal val="visible"/>
                                       </p:to>
                                     </p:set>
+                                    <p:animEffect transition="in" filter="wipe(left)">
+                                      <p:cBhvr>
+                                        <p:cTn id="11" dur="500"/>
+                                        <p:tgtEl>
+                                          <p:spTgt spid="9">
+                                            <p:txEl>
+                                              <p:pRg st="3" end="3"/>
+                                            </p:txEl>
+                                          </p:spTgt>
+                                        </p:tgtEl>
+                                      </p:cBhvr>
+                                    </p:animEffect>
                                   </p:childTnLst>
                                 </p:cTn>
                               </p:par>
@@ -18717,6 +18812,9 @@
                     <p:cTn id="3" fill="hold">
                       <p:stCondLst>
                         <p:cond delay="indefinite"/>
+                        <p:cond evt="onBegin" delay="0">
+                          <p:tn val="2"/>
+                        </p:cond>
                       </p:stCondLst>
                       <p:childTnLst>
                         <p:par>
@@ -18726,7 +18824,7 @@
                             </p:stCondLst>
                             <p:childTnLst>
                               <p:par>
-                                <p:cTn id="5" presetID="22" presetClass="entr" presetSubtype="8" fill="hold" grpId="0" nodeType="clickEffect">
+                                <p:cTn id="5" presetID="22" presetClass="entr" presetSubtype="8" fill="hold" grpId="0" nodeType="afterEffect">
                                   <p:stCondLst>
                                     <p:cond delay="0"/>
                                   </p:stCondLst>

--- a/spring11/slides11/slides3f.pptx
+++ b/spring11/slides11/slides3f.pptx
@@ -7512,7 +7512,7 @@
               <a:t>A </a:t>
             </a:r>
             <a:r>
-              <a:rPr lang="en-US" sz="4800" kern="0" smtClean="0">
+              <a:rPr lang="en-US" sz="4800" kern="0" dirty="0" smtClean="0">
                 <a:solidFill>
                   <a:srgbClr val="0000FF"/>
                 </a:solidFill>
@@ -7522,7 +7522,7 @@
               <a:t>bi</a:t>
             </a:r>
             <a:r>
-              <a:rPr kumimoji="0" lang="en-US" sz="4800" b="0" i="0" u="none" strike="noStrike" kern="0" cap="none" spc="0" normalizeH="0" baseline="0" noProof="0" smtClean="0">
+              <a:rPr kumimoji="0" lang="en-US" sz="4800" b="0" i="0" u="none" strike="noStrike" kern="0" cap="none" spc="0" normalizeH="0" baseline="0" noProof="0" dirty="0" err="1" smtClean="0">
                 <a:ln>
                   <a:noFill/>
                 </a:ln>
@@ -7553,8 +7553,22 @@
                 <a:ea typeface="+mn-ea"/>
                 <a:cs typeface="Comic Sans MS"/>
               </a:rPr>
-              <a:t> C</a:t>
-            </a:r>
+              <a:t> B</a:t>
+            </a:r>
+            <a:endParaRPr kumimoji="0" lang="en-US" sz="4800" b="0" i="0" u="none" strike="noStrike" kern="0" cap="none" spc="0" normalizeH="0" baseline="0" noProof="0" dirty="0" smtClean="0">
+              <a:ln>
+                <a:noFill/>
+              </a:ln>
+              <a:solidFill>
+                <a:srgbClr val="0000FF"/>
+              </a:solidFill>
+              <a:effectLst/>
+              <a:uLnTx/>
+              <a:uFillTx/>
+              <a:latin typeface="Comic Sans MS"/>
+              <a:ea typeface="+mn-ea"/>
+              <a:cs typeface="Comic Sans MS"/>
+            </a:endParaRPr>
           </a:p>
         </p:txBody>
       </p:sp>
@@ -11250,11 +11264,7 @@
             </a:r>
             <a:r>
               <a:rPr lang="en-US" sz="4000" dirty="0" smtClean="0"/>
-              <a:t>bit</a:t>
-            </a:r>
-            <a:r>
-              <a:rPr lang="en-US" sz="4000" dirty="0" smtClean="0"/>
-              <a:t>-strings</a:t>
+              <a:t>bit-strings</a:t>
             </a:r>
             <a:endParaRPr lang="en-US" sz="4000" dirty="0"/>
           </a:p>
@@ -11444,47 +11454,7 @@
                 <a:latin typeface="Comic Sans MS" pitchFamily="66" charset="0"/>
                 <a:cs typeface="Comic Sans MS"/>
               </a:rPr>
-              <a:t> 1  </a:t>
-            </a:r>
-            <a:r>
-              <a:rPr lang="en-US" sz="4400" dirty="0" smtClean="0">
-                <a:solidFill>
-                  <a:srgbClr val="0000FF"/>
-                </a:solidFill>
-                <a:latin typeface="Comic Sans MS" pitchFamily="66" charset="0"/>
-                <a:cs typeface="Comic Sans MS"/>
-              </a:rPr>
-              <a:t>1</a:t>
-            </a:r>
-            <a:r>
-              <a:rPr lang="en-US" sz="4400" dirty="0" smtClean="0">
-                <a:solidFill>
-                  <a:srgbClr val="0000FF"/>
-                </a:solidFill>
-                <a:latin typeface="Comic Sans MS" pitchFamily="66" charset="0"/>
-                <a:cs typeface="Comic Sans MS"/>
-              </a:rPr>
-              <a:t> 0  0  1  </a:t>
-            </a:r>
-            <a:r>
-              <a:rPr lang="en-US" sz="4400" dirty="0" smtClean="0">
-                <a:solidFill>
-                  <a:srgbClr val="0000FF"/>
-                </a:solidFill>
-                <a:latin typeface="Comic Sans MS" pitchFamily="66" charset="0"/>
-                <a:cs typeface="Comic Sans MS"/>
-              </a:rPr>
-              <a:t>… </a:t>
-            </a:r>
-            <a:r>
-              <a:rPr lang="en-US" sz="4400" dirty="0" smtClean="0">
-                <a:solidFill>
-                  <a:srgbClr val="0000FF"/>
-                </a:solidFill>
-                <a:latin typeface="Comic Sans MS" pitchFamily="66" charset="0"/>
-                <a:cs typeface="Comic Sans MS"/>
-              </a:rPr>
-              <a:t>    </a:t>
+              <a:t> 1  1 0  0  1  …     </a:t>
             </a:r>
             <a:r>
               <a:rPr lang="en-US" sz="4800" dirty="0" smtClean="0">
@@ -11587,67 +11557,7 @@
                 <a:latin typeface="Comic Sans MS" pitchFamily="66" charset="0"/>
                 <a:cs typeface="Comic Sans MS"/>
               </a:rPr>
-              <a:t>{0, </a:t>
-            </a:r>
-            <a:r>
-              <a:rPr lang="en-US" sz="4400" dirty="0" smtClean="0">
-                <a:solidFill>
-                  <a:srgbClr val="0000FF"/>
-                </a:solidFill>
-                <a:latin typeface="Comic Sans MS" pitchFamily="66" charset="0"/>
-                <a:cs typeface="Comic Sans MS"/>
-              </a:rPr>
-              <a:t> , </a:t>
-            </a:r>
-            <a:r>
-              <a:rPr lang="en-US" sz="4400" dirty="0" smtClean="0">
-                <a:solidFill>
-                  <a:srgbClr val="0000FF"/>
-                </a:solidFill>
-                <a:latin typeface="Comic Sans MS" pitchFamily="66" charset="0"/>
-                <a:cs typeface="Comic Sans MS"/>
-              </a:rPr>
-              <a:t>2, 3,</a:t>
-            </a:r>
-            <a:r>
-              <a:rPr lang="en-US" sz="4400" dirty="0" smtClean="0">
-                <a:solidFill>
-                  <a:srgbClr val="0000FF"/>
-                </a:solidFill>
-                <a:latin typeface="Comic Sans MS" pitchFamily="66" charset="0"/>
-                <a:cs typeface="Comic Sans MS"/>
-              </a:rPr>
-              <a:t>  </a:t>
-            </a:r>
-            <a:r>
-              <a:rPr lang="en-US" sz="4400" dirty="0" smtClean="0">
-                <a:solidFill>
-                  <a:srgbClr val="0000FF"/>
-                </a:solidFill>
-                <a:latin typeface="Comic Sans MS" pitchFamily="66" charset="0"/>
-                <a:cs typeface="Comic Sans MS"/>
-              </a:rPr>
-              <a:t>,</a:t>
-            </a:r>
-            <a:r>
-              <a:rPr lang="en-US" sz="4400" dirty="0" smtClean="0">
-                <a:solidFill>
-                  <a:srgbClr val="0000FF"/>
-                </a:solidFill>
-                <a:latin typeface="Comic Sans MS" pitchFamily="66" charset="0"/>
-                <a:cs typeface="Comic Sans MS"/>
-              </a:rPr>
-              <a:t>  , 6, </a:t>
-            </a:r>
-            <a:r>
-              <a:rPr lang="en-US" sz="4400" dirty="0" smtClean="0">
-                <a:solidFill>
-                  <a:srgbClr val="0000FF"/>
-                </a:solidFill>
-                <a:latin typeface="Comic Sans MS" pitchFamily="66" charset="0"/>
-                <a:cs typeface="Comic Sans MS"/>
-              </a:rPr>
-              <a:t>…  } </a:t>
+              <a:t>{0,  , 2, 3,  ,  , 6, …  } </a:t>
             </a:r>
             <a:endParaRPr lang="en-US" sz="4400" dirty="0">
               <a:solidFill>
@@ -16301,7 +16211,7 @@
                   <a:srgbClr val="0000FF"/>
                 </a:solidFill>
               </a:rPr>
-              <a:t>pow</a:t>
+              <a:t>pow(A</a:t>
             </a:r>
             <a:r>
               <a:rPr lang="en-US" sz="3200" dirty="0" smtClean="0">
@@ -16309,7 +16219,7 @@
                   <a:srgbClr val="0000FF"/>
                 </a:solidFill>
               </a:rPr>
-              <a:t>(A) </a:t>
+              <a:t>) </a:t>
             </a:r>
             <a:r>
               <a:rPr lang="en-US" sz="3200" dirty="0" err="1" smtClean="0"/>
@@ -16330,7 +16240,11 @@
             </a:r>
             <a:r>
               <a:rPr lang="en-US" sz="3200" dirty="0" smtClean="0"/>
-              <a:t>bin-strings</a:t>
+              <a:t>bit-</a:t>
+            </a:r>
+            <a:r>
+              <a:rPr lang="en-US" sz="3200" dirty="0" smtClean="0"/>
+              <a:t>strings</a:t>
             </a:r>
             <a:endParaRPr lang="en-US" sz="3200" dirty="0"/>
           </a:p>
